--- a/Otros/Ranking.pptx
+++ b/Otros/Ranking.pptx
@@ -5,18 +5,20 @@
     <p:sldMasterId id="2147483648" r:id="rId4"/>
   </p:sldMasterIdLst>
   <p:notesMasterIdLst>
-    <p:notesMasterId r:id="rId14"/>
+    <p:notesMasterId r:id="rId16"/>
   </p:notesMasterIdLst>
   <p:sldIdLst>
     <p:sldId id="257" r:id="rId5"/>
     <p:sldId id="256" r:id="rId6"/>
     <p:sldId id="294" r:id="rId7"/>
     <p:sldId id="295" r:id="rId8"/>
-    <p:sldId id="296" r:id="rId9"/>
-    <p:sldId id="297" r:id="rId10"/>
-    <p:sldId id="298" r:id="rId11"/>
-    <p:sldId id="299" r:id="rId12"/>
-    <p:sldId id="293" r:id="rId13"/>
+    <p:sldId id="300" r:id="rId9"/>
+    <p:sldId id="301" r:id="rId10"/>
+    <p:sldId id="296" r:id="rId11"/>
+    <p:sldId id="297" r:id="rId12"/>
+    <p:sldId id="298" r:id="rId13"/>
+    <p:sldId id="299" r:id="rId14"/>
+    <p:sldId id="293" r:id="rId15"/>
   </p:sldIdLst>
   <p:sldSz cx="9144000" cy="6858000" type="screen4x3"/>
   <p:notesSz cx="6858000" cy="9144000"/>
@@ -709,7 +711,7 @@
           <a:p>
             <a:fld id="{D4B39117-BBAA-FC4C-90CB-86676EB69E98}" type="datetimeFigureOut">
               <a:rPr lang="es-ES" smtClean="0"/>
-              <a:t>28/03/2021</a:t>
+              <a:t>05/04/2021</a:t>
             </a:fld>
             <a:endParaRPr lang="es-ES"/>
           </a:p>
@@ -1374,7 +1376,7 @@
             <a:fld id="{357272FC-7409-9241-96D9-C1880B2CBB52}" type="datetimeFigureOut">
               <a:rPr lang="es-ES" smtClean="0"/>
               <a:pPr/>
-              <a:t>28/03/2021</a:t>
+              <a:t>05/04/2021</a:t>
             </a:fld>
             <a:endParaRPr lang="es-ES"/>
           </a:p>
@@ -1576,7 +1578,7 @@
             <a:fld id="{357272FC-7409-9241-96D9-C1880B2CBB52}" type="datetimeFigureOut">
               <a:rPr lang="es-ES" smtClean="0"/>
               <a:pPr/>
-              <a:t>28/03/2021</a:t>
+              <a:t>05/04/2021</a:t>
             </a:fld>
             <a:endParaRPr lang="es-ES"/>
           </a:p>
@@ -2031,7 +2033,7 @@
             <a:fld id="{357272FC-7409-9241-96D9-C1880B2CBB52}" type="datetimeFigureOut">
               <a:rPr lang="es-ES" smtClean="0"/>
               <a:pPr/>
-              <a:t>28/03/2021</a:t>
+              <a:t>05/04/2021</a:t>
             </a:fld>
             <a:endParaRPr lang="es-ES"/>
           </a:p>
@@ -2613,7 +2615,7 @@
             <a:fld id="{357272FC-7409-9241-96D9-C1880B2CBB52}" type="datetimeFigureOut">
               <a:rPr lang="es-ES" smtClean="0"/>
               <a:pPr/>
-              <a:t>28/03/2021</a:t>
+              <a:t>05/04/2021</a:t>
             </a:fld>
             <a:endParaRPr lang="es-ES"/>
           </a:p>
@@ -2816,7 +2818,7 @@
             <a:fld id="{357272FC-7409-9241-96D9-C1880B2CBB52}" type="datetimeFigureOut">
               <a:rPr lang="es-ES" smtClean="0"/>
               <a:pPr/>
-              <a:t>28/03/2021</a:t>
+              <a:t>05/04/2021</a:t>
             </a:fld>
             <a:endParaRPr lang="es-ES"/>
           </a:p>
@@ -3093,7 +3095,7 @@
             <a:fld id="{357272FC-7409-9241-96D9-C1880B2CBB52}" type="datetimeFigureOut">
               <a:rPr lang="es-ES" smtClean="0"/>
               <a:pPr/>
-              <a:t>28/03/2021</a:t>
+              <a:t>05/04/2021</a:t>
             </a:fld>
             <a:endParaRPr lang="es-ES"/>
           </a:p>
@@ -3490,7 +3492,7 @@
             <a:fld id="{357272FC-7409-9241-96D9-C1880B2CBB52}" type="datetimeFigureOut">
               <a:rPr lang="es-ES" smtClean="0"/>
               <a:pPr/>
-              <a:t>28/03/2021</a:t>
+              <a:t>05/04/2021</a:t>
             </a:fld>
             <a:endParaRPr lang="es-ES"/>
           </a:p>
@@ -3825,7 +3827,7 @@
             <a:fld id="{357272FC-7409-9241-96D9-C1880B2CBB52}" type="datetimeFigureOut">
               <a:rPr lang="es-ES" smtClean="0"/>
               <a:pPr/>
-              <a:t>28/03/2021</a:t>
+              <a:t>05/04/2021</a:t>
             </a:fld>
             <a:endParaRPr lang="es-ES"/>
           </a:p>
@@ -4069,7 +4071,7 @@
           <a:p>
             <a:fld id="{357272FC-7409-9241-96D9-C1880B2CBB52}" type="datetimeFigureOut">
               <a:rPr lang="es-ES" smtClean="0"/>
-              <a:t>28/03/2021</a:t>
+              <a:t>05/04/2021</a:t>
             </a:fld>
             <a:endParaRPr lang="es-ES"/>
           </a:p>
@@ -4466,6 +4468,187 @@
 </p:sld>
 </file>
 
+<file path=ppt/slides/slide10.xml><?xml version="1.0" encoding="utf-8"?>
+<p:sld xmlns:a="http://schemas.openxmlformats.org/drawingml/2006/main" xmlns:r="http://schemas.openxmlformats.org/officeDocument/2006/relationships" xmlns:p="http://schemas.openxmlformats.org/presentationml/2006/main">
+  <p:cSld>
+    <p:spTree>
+      <p:nvGrpSpPr>
+        <p:cNvPr id="1" name=""/>
+        <p:cNvGrpSpPr/>
+        <p:nvPr/>
+      </p:nvGrpSpPr>
+      <p:grpSpPr>
+        <a:xfrm>
+          <a:off x="0" y="0"/>
+          <a:ext cx="0" cy="0"/>
+          <a:chOff x="0" y="0"/>
+          <a:chExt cx="0" cy="0"/>
+        </a:xfrm>
+      </p:grpSpPr>
+      <p:sp>
+        <p:nvSpPr>
+          <p:cNvPr id="5" name="Título 4">
+            <a:extLst>
+              <a:ext uri="{FF2B5EF4-FFF2-40B4-BE49-F238E27FC236}">
+                <a16:creationId xmlns:a16="http://schemas.microsoft.com/office/drawing/2014/main" id="{BF4122AC-88CF-48CF-AFFE-EAF0F16A0E58}"/>
+              </a:ext>
+            </a:extLst>
+          </p:cNvPr>
+          <p:cNvSpPr>
+            <a:spLocks noGrp="1"/>
+          </p:cNvSpPr>
+          <p:nvPr>
+            <p:ph type="title"/>
+          </p:nvPr>
+        </p:nvSpPr>
+        <p:spPr/>
+        <p:txBody>
+          <a:bodyPr>
+            <a:normAutofit/>
+          </a:bodyPr>
+          <a:lstStyle/>
+          <a:p>
+            <a:pPr algn="ctr"/>
+            <a:r>
+              <a:rPr lang="es-CO" sz="3200" dirty="0"/>
+              <a:t>PUESTO</a:t>
+            </a:r>
+          </a:p>
+        </p:txBody>
+      </p:sp>
+      <p:sp>
+        <p:nvSpPr>
+          <p:cNvPr id="7" name="Marcador de texto 6">
+            <a:extLst>
+              <a:ext uri="{FF2B5EF4-FFF2-40B4-BE49-F238E27FC236}">
+                <a16:creationId xmlns:a16="http://schemas.microsoft.com/office/drawing/2014/main" id="{84048E2F-B197-401B-BA85-64C240EABE03}"/>
+              </a:ext>
+            </a:extLst>
+          </p:cNvPr>
+          <p:cNvSpPr>
+            <a:spLocks noGrp="1"/>
+          </p:cNvSpPr>
+          <p:nvPr>
+            <p:ph type="body" sz="half" idx="2"/>
+          </p:nvPr>
+        </p:nvSpPr>
+        <p:spPr/>
+        <p:txBody>
+          <a:bodyPr>
+            <a:normAutofit/>
+          </a:bodyPr>
+          <a:lstStyle/>
+          <a:p>
+            <a:pPr algn="ctr"/>
+            <a:r>
+              <a:rPr lang="es-CO" sz="23900" dirty="0"/>
+              <a:t>1</a:t>
+            </a:r>
+          </a:p>
+        </p:txBody>
+      </p:sp>
+      <p:pic>
+        <p:nvPicPr>
+          <p:cNvPr id="4" name="Imagen 3">
+            <a:extLst>
+              <a:ext uri="{FF2B5EF4-FFF2-40B4-BE49-F238E27FC236}">
+                <a16:creationId xmlns:a16="http://schemas.microsoft.com/office/drawing/2014/main" id="{772166EB-C075-4F10-9428-772B22041267}"/>
+              </a:ext>
+            </a:extLst>
+          </p:cNvPr>
+          <p:cNvPicPr>
+            <a:picLocks noChangeAspect="1"/>
+          </p:cNvPicPr>
+          <p:nvPr/>
+        </p:nvPicPr>
+        <p:blipFill>
+          <a:blip r:embed="rId2"/>
+          <a:stretch>
+            <a:fillRect/>
+          </a:stretch>
+        </p:blipFill>
+        <p:spPr>
+          <a:xfrm>
+            <a:off x="3678348" y="1882066"/>
+            <a:ext cx="5465652" cy="2619814"/>
+          </a:xfrm>
+          <a:prstGeom prst="rect">
+            <a:avLst/>
+          </a:prstGeom>
+        </p:spPr>
+      </p:pic>
+    </p:spTree>
+    <p:extLst>
+      <p:ext uri="{BB962C8B-B14F-4D97-AF65-F5344CB8AC3E}">
+        <p14:creationId xmlns:p14="http://schemas.microsoft.com/office/powerpoint/2010/main" val="2171040910"/>
+      </p:ext>
+    </p:extLst>
+  </p:cSld>
+  <p:clrMapOvr>
+    <a:masterClrMapping/>
+  </p:clrMapOvr>
+</p:sld>
+</file>
+
+<file path=ppt/slides/slide11.xml><?xml version="1.0" encoding="utf-8"?>
+<p:sld xmlns:a="http://schemas.openxmlformats.org/drawingml/2006/main" xmlns:r="http://schemas.openxmlformats.org/officeDocument/2006/relationships" xmlns:p="http://schemas.openxmlformats.org/presentationml/2006/main">
+  <p:cSld>
+    <p:spTree>
+      <p:nvGrpSpPr>
+        <p:cNvPr id="1" name=""/>
+        <p:cNvGrpSpPr/>
+        <p:nvPr/>
+      </p:nvGrpSpPr>
+      <p:grpSpPr>
+        <a:xfrm>
+          <a:off x="0" y="0"/>
+          <a:ext cx="0" cy="0"/>
+          <a:chOff x="0" y="0"/>
+          <a:chExt cx="0" cy="0"/>
+        </a:xfrm>
+      </p:grpSpPr>
+      <p:sp>
+        <p:nvSpPr>
+          <p:cNvPr id="2" name="Título 1">
+            <a:extLst>
+              <a:ext uri="{FF2B5EF4-FFF2-40B4-BE49-F238E27FC236}">
+                <a16:creationId xmlns:a16="http://schemas.microsoft.com/office/drawing/2014/main" id="{13EA576F-7C10-444D-AFB8-756B90C110A1}"/>
+              </a:ext>
+            </a:extLst>
+          </p:cNvPr>
+          <p:cNvSpPr>
+            <a:spLocks noGrp="1"/>
+          </p:cNvSpPr>
+          <p:nvPr>
+            <p:ph type="ctrTitle"/>
+          </p:nvPr>
+        </p:nvSpPr>
+        <p:spPr/>
+        <p:txBody>
+          <a:bodyPr/>
+          <a:lstStyle/>
+          <a:p>
+            <a:pPr algn="ctr"/>
+            <a:r>
+              <a:rPr lang="es-CO" dirty="0"/>
+              <a:t>MUCHAS GRACIAS </a:t>
+            </a:r>
+          </a:p>
+        </p:txBody>
+      </p:sp>
+    </p:spTree>
+    <p:extLst>
+      <p:ext uri="{BB962C8B-B14F-4D97-AF65-F5344CB8AC3E}">
+        <p14:creationId xmlns:p14="http://schemas.microsoft.com/office/powerpoint/2010/main" val="3879833664"/>
+      </p:ext>
+    </p:extLst>
+  </p:cSld>
+  <p:clrMapOvr>
+    <a:masterClrMapping/>
+  </p:clrMapOvr>
+</p:sld>
+</file>
+
 <file path=ppt/slides/slide2.xml><?xml version="1.0" encoding="utf-8"?>
 <p:sld xmlns:a="http://schemas.openxmlformats.org/drawingml/2006/main" xmlns:r="http://schemas.openxmlformats.org/officeDocument/2006/relationships" xmlns:p="http://schemas.openxmlformats.org/presentationml/2006/main">
   <p:cSld>
@@ -4506,12 +4689,20 @@
             <a:br>
               <a:rPr lang="es-ES" dirty="0"/>
             </a:br>
+            <a:r>
+              <a:rPr lang="es-ES" dirty="0"/>
+              <a:t/>
+            </a:r>
             <a:br>
               <a:rPr lang="es-ES" dirty="0"/>
             </a:br>
             <a:r>
               <a:rPr lang="es-ES" sz="3200" dirty="0"/>
               <a:t>POR:</a:t>
+            </a:r>
+            <a:r>
+              <a:rPr lang="es-ES" dirty="0"/>
+              <a:t/>
             </a:r>
             <a:br>
               <a:rPr lang="es-ES" dirty="0"/>
@@ -4802,6 +4993,1332 @@
 </file>
 
 <file path=ppt/slides/slide5.xml><?xml version="1.0" encoding="utf-8"?>
+<p:sld xmlns:a="http://schemas.openxmlformats.org/drawingml/2006/main" xmlns:r="http://schemas.openxmlformats.org/officeDocument/2006/relationships" xmlns:p="http://schemas.openxmlformats.org/presentationml/2006/main">
+  <p:cSld>
+    <p:spTree>
+      <p:nvGrpSpPr>
+        <p:cNvPr id="1" name=""/>
+        <p:cNvGrpSpPr/>
+        <p:nvPr/>
+      </p:nvGrpSpPr>
+      <p:grpSpPr>
+        <a:xfrm>
+          <a:off x="0" y="0"/>
+          <a:ext cx="0" cy="0"/>
+          <a:chOff x="0" y="0"/>
+          <a:chExt cx="0" cy="0"/>
+        </a:xfrm>
+      </p:grpSpPr>
+      <p:sp>
+        <p:nvSpPr>
+          <p:cNvPr id="2" name="Título 1">
+            <a:extLst>
+              <a:ext uri="{FF2B5EF4-FFF2-40B4-BE49-F238E27FC236}">
+                <a16:creationId xmlns:a16="http://schemas.microsoft.com/office/drawing/2014/main" id="{8DEF41C4-62DB-4F86-A417-D5806C6AE283}"/>
+              </a:ext>
+            </a:extLst>
+          </p:cNvPr>
+          <p:cNvSpPr>
+            <a:spLocks noGrp="1"/>
+          </p:cNvSpPr>
+          <p:nvPr>
+            <p:ph type="title"/>
+          </p:nvPr>
+        </p:nvSpPr>
+        <p:spPr>
+          <a:xfrm>
+            <a:off x="457200" y="7938"/>
+            <a:ext cx="8229600" cy="1143000"/>
+          </a:xfrm>
+        </p:spPr>
+        <p:txBody>
+          <a:bodyPr>
+            <a:normAutofit fontScale="90000"/>
+          </a:bodyPr>
+          <a:lstStyle/>
+          <a:p>
+            <a:r>
+              <a:rPr lang="es-CO" dirty="0" smtClean="0"/>
+              <a:t>Resultado de búsqueda de patentes: Vacuna &amp; </a:t>
+            </a:r>
+            <a:r>
+              <a:rPr lang="es-CO" dirty="0" err="1" smtClean="0"/>
+              <a:t>Covid</a:t>
+            </a:r>
+            <a:r>
+              <a:rPr lang="es-CO" dirty="0" smtClean="0"/>
+              <a:t> 19</a:t>
+            </a:r>
+            <a:endParaRPr lang="es-CO" dirty="0"/>
+          </a:p>
+        </p:txBody>
+      </p:sp>
+      <p:pic>
+        <p:nvPicPr>
+          <p:cNvPr id="5" name="Imagen 4"/>
+          <p:cNvPicPr>
+            <a:picLocks noChangeAspect="1"/>
+          </p:cNvPicPr>
+          <p:nvPr/>
+        </p:nvPicPr>
+        <p:blipFill>
+          <a:blip r:embed="rId2"/>
+          <a:stretch>
+            <a:fillRect/>
+          </a:stretch>
+        </p:blipFill>
+        <p:spPr>
+          <a:xfrm>
+            <a:off x="1562100" y="1404143"/>
+            <a:ext cx="2554866" cy="2287588"/>
+          </a:xfrm>
+          <a:prstGeom prst="rect">
+            <a:avLst/>
+          </a:prstGeom>
+          <a:ln>
+            <a:solidFill>
+              <a:srgbClr val="00529C"/>
+            </a:solidFill>
+          </a:ln>
+        </p:spPr>
+      </p:pic>
+      <p:pic>
+        <p:nvPicPr>
+          <p:cNvPr id="7" name="Imagen 6"/>
+          <p:cNvPicPr>
+            <a:picLocks noChangeAspect="1"/>
+          </p:cNvPicPr>
+          <p:nvPr/>
+        </p:nvPicPr>
+        <p:blipFill>
+          <a:blip r:embed="rId3"/>
+          <a:stretch>
+            <a:fillRect/>
+          </a:stretch>
+        </p:blipFill>
+        <p:spPr>
+          <a:xfrm>
+            <a:off x="4219575" y="1404143"/>
+            <a:ext cx="3390900" cy="2287588"/>
+          </a:xfrm>
+          <a:prstGeom prst="rect">
+            <a:avLst/>
+          </a:prstGeom>
+          <a:ln>
+            <a:solidFill>
+              <a:srgbClr val="00529C"/>
+            </a:solidFill>
+          </a:ln>
+        </p:spPr>
+      </p:pic>
+      <p:pic>
+        <p:nvPicPr>
+          <p:cNvPr id="9" name="Imagen 8"/>
+          <p:cNvPicPr>
+            <a:picLocks noChangeAspect="1"/>
+          </p:cNvPicPr>
+          <p:nvPr/>
+        </p:nvPicPr>
+        <p:blipFill>
+          <a:blip r:embed="rId4"/>
+          <a:stretch>
+            <a:fillRect/>
+          </a:stretch>
+        </p:blipFill>
+        <p:spPr>
+          <a:xfrm>
+            <a:off x="4219575" y="3944936"/>
+            <a:ext cx="3390900" cy="2595564"/>
+          </a:xfrm>
+          <a:prstGeom prst="rect">
+            <a:avLst/>
+          </a:prstGeom>
+          <a:ln>
+            <a:solidFill>
+              <a:srgbClr val="00529C"/>
+            </a:solidFill>
+          </a:ln>
+        </p:spPr>
+      </p:pic>
+      <p:pic>
+        <p:nvPicPr>
+          <p:cNvPr id="10" name="Imagen 9"/>
+          <p:cNvPicPr>
+            <a:picLocks noChangeAspect="1"/>
+          </p:cNvPicPr>
+          <p:nvPr/>
+        </p:nvPicPr>
+        <p:blipFill>
+          <a:blip r:embed="rId5"/>
+          <a:stretch>
+            <a:fillRect/>
+          </a:stretch>
+        </p:blipFill>
+        <p:spPr>
+          <a:xfrm>
+            <a:off x="1562100" y="3944936"/>
+            <a:ext cx="2554866" cy="2595564"/>
+          </a:xfrm>
+          <a:prstGeom prst="rect">
+            <a:avLst/>
+          </a:prstGeom>
+          <a:ln>
+            <a:solidFill>
+              <a:srgbClr val="00529C"/>
+            </a:solidFill>
+          </a:ln>
+        </p:spPr>
+      </p:pic>
+      <p:sp>
+        <p:nvSpPr>
+          <p:cNvPr id="13" name="Llamada rectangular 12"/>
+          <p:cNvSpPr/>
+          <p:nvPr/>
+        </p:nvSpPr>
+        <p:spPr>
+          <a:xfrm>
+            <a:off x="228600" y="1261269"/>
+            <a:ext cx="1333500" cy="1596231"/>
+          </a:xfrm>
+          <a:prstGeom prst="wedgeRectCallout">
+            <a:avLst>
+              <a:gd name="adj1" fmla="val 63514"/>
+              <a:gd name="adj2" fmla="val -6504"/>
+            </a:avLst>
+          </a:prstGeom>
+        </p:spPr>
+        <p:style>
+          <a:lnRef idx="1">
+            <a:schemeClr val="accent1"/>
+          </a:lnRef>
+          <a:fillRef idx="2">
+            <a:schemeClr val="accent1"/>
+          </a:fillRef>
+          <a:effectRef idx="1">
+            <a:schemeClr val="accent1"/>
+          </a:effectRef>
+          <a:fontRef idx="minor">
+            <a:schemeClr val="dk1"/>
+          </a:fontRef>
+        </p:style>
+        <p:txBody>
+          <a:bodyPr rtlCol="0" anchor="ctr"/>
+          <a:lstStyle/>
+          <a:p>
+            <a:r>
+              <a:rPr lang="es-CO" sz="1400" dirty="0">
+                <a:solidFill>
+                  <a:schemeClr val="tx2"/>
+                </a:solidFill>
+                <a:latin typeface="Tahoma" panose="020B0604030504040204" pitchFamily="34" charset="0"/>
+                <a:ea typeface="Tahoma" panose="020B0604030504040204" pitchFamily="34" charset="0"/>
+                <a:cs typeface="Tahoma" panose="020B0604030504040204" pitchFamily="34" charset="0"/>
+              </a:rPr>
+              <a:t>Se </a:t>
+            </a:r>
+            <a:r>
+              <a:rPr lang="es-CO" sz="1400" dirty="0" smtClean="0">
+                <a:solidFill>
+                  <a:schemeClr val="tx2"/>
+                </a:solidFill>
+                <a:latin typeface="Tahoma" panose="020B0604030504040204" pitchFamily="34" charset="0"/>
+                <a:ea typeface="Tahoma" panose="020B0604030504040204" pitchFamily="34" charset="0"/>
+                <a:cs typeface="Tahoma" panose="020B0604030504040204" pitchFamily="34" charset="0"/>
+              </a:rPr>
+              <a:t>publicaron.</a:t>
+            </a:r>
+          </a:p>
+          <a:p>
+            <a:endParaRPr lang="es-CO" sz="1400" dirty="0">
+              <a:solidFill>
+                <a:schemeClr val="tx2"/>
+              </a:solidFill>
+              <a:latin typeface="Tahoma" panose="020B0604030504040204" pitchFamily="34" charset="0"/>
+              <a:ea typeface="Tahoma" panose="020B0604030504040204" pitchFamily="34" charset="0"/>
+              <a:cs typeface="Tahoma" panose="020B0604030504040204" pitchFamily="34" charset="0"/>
+            </a:endParaRPr>
+          </a:p>
+          <a:p>
+            <a:r>
+              <a:rPr lang="es-CO" sz="1400" dirty="0">
+                <a:solidFill>
+                  <a:schemeClr val="tx2"/>
+                </a:solidFill>
+                <a:latin typeface="Tahoma" panose="020B0604030504040204" pitchFamily="34" charset="0"/>
+                <a:ea typeface="Tahoma" panose="020B0604030504040204" pitchFamily="34" charset="0"/>
+                <a:cs typeface="Tahoma" panose="020B0604030504040204" pitchFamily="34" charset="0"/>
+              </a:rPr>
+              <a:t>2020: 90</a:t>
+            </a:r>
+          </a:p>
+          <a:p>
+            <a:r>
+              <a:rPr lang="es-CO" sz="1400" dirty="0">
+                <a:solidFill>
+                  <a:schemeClr val="tx2"/>
+                </a:solidFill>
+                <a:latin typeface="Tahoma" panose="020B0604030504040204" pitchFamily="34" charset="0"/>
+                <a:ea typeface="Tahoma" panose="020B0604030504040204" pitchFamily="34" charset="0"/>
+                <a:cs typeface="Tahoma" panose="020B0604030504040204" pitchFamily="34" charset="0"/>
+              </a:rPr>
+              <a:t>2019: 166</a:t>
+            </a:r>
+          </a:p>
+          <a:p>
+            <a:r>
+              <a:rPr lang="es-CO" sz="1400" dirty="0">
+                <a:solidFill>
+                  <a:schemeClr val="tx2"/>
+                </a:solidFill>
+                <a:latin typeface="Tahoma" panose="020B0604030504040204" pitchFamily="34" charset="0"/>
+                <a:ea typeface="Tahoma" panose="020B0604030504040204" pitchFamily="34" charset="0"/>
+                <a:cs typeface="Tahoma" panose="020B0604030504040204" pitchFamily="34" charset="0"/>
+              </a:rPr>
+              <a:t>2013: </a:t>
+            </a:r>
+            <a:r>
+              <a:rPr lang="es-CO" sz="1400" dirty="0" smtClean="0">
+                <a:solidFill>
+                  <a:schemeClr val="tx2"/>
+                </a:solidFill>
+                <a:latin typeface="Tahoma" panose="020B0604030504040204" pitchFamily="34" charset="0"/>
+                <a:ea typeface="Tahoma" panose="020B0604030504040204" pitchFamily="34" charset="0"/>
+                <a:cs typeface="Tahoma" panose="020B0604030504040204" pitchFamily="34" charset="0"/>
+              </a:rPr>
+              <a:t>1</a:t>
+            </a:r>
+          </a:p>
+          <a:p>
+            <a:endParaRPr lang="es-CO" sz="1400" dirty="0">
+              <a:solidFill>
+                <a:schemeClr val="tx2"/>
+              </a:solidFill>
+              <a:latin typeface="Tahoma" panose="020B0604030504040204" pitchFamily="34" charset="0"/>
+              <a:ea typeface="Tahoma" panose="020B0604030504040204" pitchFamily="34" charset="0"/>
+              <a:cs typeface="Tahoma" panose="020B0604030504040204" pitchFamily="34" charset="0"/>
+            </a:endParaRPr>
+          </a:p>
+          <a:p>
+            <a:r>
+              <a:rPr lang="es-CO" sz="1400" dirty="0">
+                <a:solidFill>
+                  <a:schemeClr val="tx2"/>
+                </a:solidFill>
+                <a:latin typeface="Tahoma" panose="020B0604030504040204" pitchFamily="34" charset="0"/>
+                <a:ea typeface="Tahoma" panose="020B0604030504040204" pitchFamily="34" charset="0"/>
+                <a:cs typeface="Tahoma" panose="020B0604030504040204" pitchFamily="34" charset="0"/>
+              </a:rPr>
+              <a:t>Total: </a:t>
+            </a:r>
+            <a:r>
+              <a:rPr lang="es-CO" sz="1400" dirty="0" smtClean="0">
+                <a:solidFill>
+                  <a:schemeClr val="tx2"/>
+                </a:solidFill>
+                <a:latin typeface="Tahoma" panose="020B0604030504040204" pitchFamily="34" charset="0"/>
+                <a:ea typeface="Tahoma" panose="020B0604030504040204" pitchFamily="34" charset="0"/>
+                <a:cs typeface="Tahoma" panose="020B0604030504040204" pitchFamily="34" charset="0"/>
+              </a:rPr>
+              <a:t>257</a:t>
+            </a:r>
+            <a:endParaRPr lang="es-ES" dirty="0"/>
+          </a:p>
+        </p:txBody>
+      </p:sp>
+      <p:sp>
+        <p:nvSpPr>
+          <p:cNvPr id="14" name="Llamada rectangular 13"/>
+          <p:cNvSpPr/>
+          <p:nvPr/>
+        </p:nvSpPr>
+        <p:spPr>
+          <a:xfrm>
+            <a:off x="64508" y="3834605"/>
+            <a:ext cx="1497592" cy="1473996"/>
+          </a:xfrm>
+          <a:prstGeom prst="wedgeRectCallout">
+            <a:avLst>
+              <a:gd name="adj1" fmla="val 63514"/>
+              <a:gd name="adj2" fmla="val -6504"/>
+            </a:avLst>
+          </a:prstGeom>
+        </p:spPr>
+        <p:style>
+          <a:lnRef idx="1">
+            <a:schemeClr val="accent1"/>
+          </a:lnRef>
+          <a:fillRef idx="2">
+            <a:schemeClr val="accent1"/>
+          </a:fillRef>
+          <a:effectRef idx="1">
+            <a:schemeClr val="accent1"/>
+          </a:effectRef>
+          <a:fontRef idx="minor">
+            <a:schemeClr val="dk1"/>
+          </a:fontRef>
+        </p:style>
+        <p:txBody>
+          <a:bodyPr rtlCol="0" anchor="ctr"/>
+          <a:lstStyle/>
+          <a:p>
+            <a:r>
+              <a:rPr lang="es-CO" sz="1400" dirty="0" smtClean="0">
+                <a:solidFill>
+                  <a:schemeClr val="tx2"/>
+                </a:solidFill>
+                <a:latin typeface="Tahoma" panose="020B0604030504040204" pitchFamily="34" charset="0"/>
+                <a:ea typeface="Tahoma" panose="020B0604030504040204" pitchFamily="34" charset="0"/>
+                <a:cs typeface="Tahoma" panose="020B0604030504040204" pitchFamily="34" charset="0"/>
+              </a:rPr>
+              <a:t>Tipo de documento:</a:t>
+            </a:r>
+            <a:endParaRPr lang="es-CO" sz="1400" dirty="0">
+              <a:solidFill>
+                <a:schemeClr val="tx2"/>
+              </a:solidFill>
+              <a:latin typeface="Tahoma" panose="020B0604030504040204" pitchFamily="34" charset="0"/>
+              <a:ea typeface="Tahoma" panose="020B0604030504040204" pitchFamily="34" charset="0"/>
+              <a:cs typeface="Tahoma" panose="020B0604030504040204" pitchFamily="34" charset="0"/>
+            </a:endParaRPr>
+          </a:p>
+          <a:p>
+            <a:endParaRPr lang="es-CO" sz="1400" dirty="0">
+              <a:solidFill>
+                <a:schemeClr val="tx2"/>
+              </a:solidFill>
+              <a:latin typeface="Tahoma" panose="020B0604030504040204" pitchFamily="34" charset="0"/>
+              <a:ea typeface="Tahoma" panose="020B0604030504040204" pitchFamily="34" charset="0"/>
+              <a:cs typeface="Tahoma" panose="020B0604030504040204" pitchFamily="34" charset="0"/>
+            </a:endParaRPr>
+          </a:p>
+          <a:p>
+            <a:r>
+              <a:rPr lang="es-CO" sz="1400" dirty="0" smtClean="0">
+                <a:solidFill>
+                  <a:schemeClr val="tx2"/>
+                </a:solidFill>
+                <a:latin typeface="Tahoma" panose="020B0604030504040204" pitchFamily="34" charset="0"/>
+                <a:ea typeface="Tahoma" panose="020B0604030504040204" pitchFamily="34" charset="0"/>
+                <a:cs typeface="Tahoma" panose="020B0604030504040204" pitchFamily="34" charset="0"/>
+              </a:rPr>
+              <a:t>P. Aplicadas:208</a:t>
+            </a:r>
+            <a:endParaRPr lang="es-CO" sz="1400" dirty="0">
+              <a:solidFill>
+                <a:schemeClr val="tx2"/>
+              </a:solidFill>
+              <a:latin typeface="Tahoma" panose="020B0604030504040204" pitchFamily="34" charset="0"/>
+              <a:ea typeface="Tahoma" panose="020B0604030504040204" pitchFamily="34" charset="0"/>
+              <a:cs typeface="Tahoma" panose="020B0604030504040204" pitchFamily="34" charset="0"/>
+            </a:endParaRPr>
+          </a:p>
+          <a:p>
+            <a:r>
+              <a:rPr lang="es-CO" sz="1400" dirty="0" smtClean="0">
+                <a:solidFill>
+                  <a:schemeClr val="tx2"/>
+                </a:solidFill>
+                <a:latin typeface="Tahoma" panose="020B0604030504040204" pitchFamily="34" charset="0"/>
+                <a:ea typeface="Tahoma" panose="020B0604030504040204" pitchFamily="34" charset="0"/>
+                <a:cs typeface="Tahoma" panose="020B0604030504040204" pitchFamily="34" charset="0"/>
+              </a:rPr>
+              <a:t>P. Otorgada:30</a:t>
+            </a:r>
+            <a:endParaRPr lang="es-CO" sz="1400" dirty="0">
+              <a:solidFill>
+                <a:schemeClr val="tx2"/>
+              </a:solidFill>
+              <a:latin typeface="Tahoma" panose="020B0604030504040204" pitchFamily="34" charset="0"/>
+              <a:ea typeface="Tahoma" panose="020B0604030504040204" pitchFamily="34" charset="0"/>
+              <a:cs typeface="Tahoma" panose="020B0604030504040204" pitchFamily="34" charset="0"/>
+            </a:endParaRPr>
+          </a:p>
+          <a:p>
+            <a:r>
+              <a:rPr lang="es-CO" sz="1400" dirty="0" smtClean="0">
+                <a:solidFill>
+                  <a:schemeClr val="tx2"/>
+                </a:solidFill>
+                <a:latin typeface="Tahoma" panose="020B0604030504040204" pitchFamily="34" charset="0"/>
+                <a:ea typeface="Tahoma" panose="020B0604030504040204" pitchFamily="34" charset="0"/>
+                <a:cs typeface="Tahoma" panose="020B0604030504040204" pitchFamily="34" charset="0"/>
+              </a:rPr>
+              <a:t>P. Limitadas:18</a:t>
+            </a:r>
+            <a:endParaRPr lang="es-CO" sz="1400" dirty="0">
+              <a:solidFill>
+                <a:schemeClr val="tx2"/>
+              </a:solidFill>
+              <a:latin typeface="Tahoma" panose="020B0604030504040204" pitchFamily="34" charset="0"/>
+              <a:ea typeface="Tahoma" panose="020B0604030504040204" pitchFamily="34" charset="0"/>
+              <a:cs typeface="Tahoma" panose="020B0604030504040204" pitchFamily="34" charset="0"/>
+            </a:endParaRPr>
+          </a:p>
+        </p:txBody>
+      </p:sp>
+      <p:sp>
+        <p:nvSpPr>
+          <p:cNvPr id="15" name="Llamada rectangular 14"/>
+          <p:cNvSpPr/>
+          <p:nvPr/>
+        </p:nvSpPr>
+        <p:spPr>
+          <a:xfrm>
+            <a:off x="7610475" y="1261269"/>
+            <a:ext cx="1497592" cy="1596231"/>
+          </a:xfrm>
+          <a:prstGeom prst="wedgeRectCallout">
+            <a:avLst>
+              <a:gd name="adj1" fmla="val -61146"/>
+              <a:gd name="adj2" fmla="val -4909"/>
+            </a:avLst>
+          </a:prstGeom>
+        </p:spPr>
+        <p:style>
+          <a:lnRef idx="1">
+            <a:schemeClr val="accent1"/>
+          </a:lnRef>
+          <a:fillRef idx="2">
+            <a:schemeClr val="accent1"/>
+          </a:fillRef>
+          <a:effectRef idx="1">
+            <a:schemeClr val="accent1"/>
+          </a:effectRef>
+          <a:fontRef idx="minor">
+            <a:schemeClr val="dk1"/>
+          </a:fontRef>
+        </p:style>
+        <p:txBody>
+          <a:bodyPr rtlCol="0" anchor="ctr"/>
+          <a:lstStyle/>
+          <a:p>
+            <a:r>
+              <a:rPr lang="es-CO" sz="1400" dirty="0" smtClean="0">
+                <a:solidFill>
+                  <a:schemeClr val="tx2"/>
+                </a:solidFill>
+                <a:latin typeface="Tahoma" panose="020B0604030504040204" pitchFamily="34" charset="0"/>
+                <a:ea typeface="Tahoma" panose="020B0604030504040204" pitchFamily="34" charset="0"/>
+                <a:cs typeface="Tahoma" panose="020B0604030504040204" pitchFamily="34" charset="0"/>
+              </a:rPr>
+              <a:t>Jurisdicción:</a:t>
+            </a:r>
+            <a:endParaRPr lang="es-CO" sz="1400" dirty="0">
+              <a:solidFill>
+                <a:schemeClr val="tx2"/>
+              </a:solidFill>
+              <a:latin typeface="Tahoma" panose="020B0604030504040204" pitchFamily="34" charset="0"/>
+              <a:ea typeface="Tahoma" panose="020B0604030504040204" pitchFamily="34" charset="0"/>
+              <a:cs typeface="Tahoma" panose="020B0604030504040204" pitchFamily="34" charset="0"/>
+            </a:endParaRPr>
+          </a:p>
+          <a:p>
+            <a:endParaRPr lang="es-CO" sz="1400" dirty="0">
+              <a:solidFill>
+                <a:schemeClr val="tx2"/>
+              </a:solidFill>
+              <a:latin typeface="Tahoma" panose="020B0604030504040204" pitchFamily="34" charset="0"/>
+              <a:ea typeface="Tahoma" panose="020B0604030504040204" pitchFamily="34" charset="0"/>
+              <a:cs typeface="Tahoma" panose="020B0604030504040204" pitchFamily="34" charset="0"/>
+            </a:endParaRPr>
+          </a:p>
+          <a:p>
+            <a:r>
+              <a:rPr lang="es-CO" sz="1400" dirty="0" smtClean="0">
+                <a:solidFill>
+                  <a:schemeClr val="tx2"/>
+                </a:solidFill>
+                <a:latin typeface="Tahoma" panose="020B0604030504040204" pitchFamily="34" charset="0"/>
+                <a:ea typeface="Tahoma" panose="020B0604030504040204" pitchFamily="34" charset="0"/>
+                <a:cs typeface="Tahoma" panose="020B0604030504040204" pitchFamily="34" charset="0"/>
+              </a:rPr>
+              <a:t>EE.UU: 87</a:t>
+            </a:r>
+            <a:endParaRPr lang="es-CO" sz="1400" dirty="0">
+              <a:solidFill>
+                <a:schemeClr val="tx2"/>
+              </a:solidFill>
+              <a:latin typeface="Tahoma" panose="020B0604030504040204" pitchFamily="34" charset="0"/>
+              <a:ea typeface="Tahoma" panose="020B0604030504040204" pitchFamily="34" charset="0"/>
+              <a:cs typeface="Tahoma" panose="020B0604030504040204" pitchFamily="34" charset="0"/>
+            </a:endParaRPr>
+          </a:p>
+          <a:p>
+            <a:r>
+              <a:rPr lang="es-CO" sz="1400" dirty="0" smtClean="0">
+                <a:solidFill>
+                  <a:schemeClr val="tx2"/>
+                </a:solidFill>
+                <a:latin typeface="Tahoma" panose="020B0604030504040204" pitchFamily="34" charset="0"/>
+                <a:ea typeface="Tahoma" panose="020B0604030504040204" pitchFamily="34" charset="0"/>
+                <a:cs typeface="Tahoma" panose="020B0604030504040204" pitchFamily="34" charset="0"/>
+              </a:rPr>
+              <a:t>China: 38</a:t>
+            </a:r>
+          </a:p>
+          <a:p>
+            <a:r>
+              <a:rPr lang="es-CO" sz="1400" dirty="0" smtClean="0">
+                <a:solidFill>
+                  <a:schemeClr val="tx2"/>
+                </a:solidFill>
+                <a:latin typeface="Tahoma" panose="020B0604030504040204" pitchFamily="34" charset="0"/>
+                <a:ea typeface="Tahoma" panose="020B0604030504040204" pitchFamily="34" charset="0"/>
+                <a:cs typeface="Tahoma" panose="020B0604030504040204" pitchFamily="34" charset="0"/>
+              </a:rPr>
+              <a:t>Australia: 19</a:t>
+            </a:r>
+            <a:endParaRPr lang="es-CO" sz="1400" dirty="0">
+              <a:solidFill>
+                <a:schemeClr val="tx2"/>
+              </a:solidFill>
+              <a:latin typeface="Tahoma" panose="020B0604030504040204" pitchFamily="34" charset="0"/>
+              <a:ea typeface="Tahoma" panose="020B0604030504040204" pitchFamily="34" charset="0"/>
+              <a:cs typeface="Tahoma" panose="020B0604030504040204" pitchFamily="34" charset="0"/>
+            </a:endParaRPr>
+          </a:p>
+          <a:p>
+            <a:r>
+              <a:rPr lang="es-CO" sz="1400" dirty="0" smtClean="0">
+                <a:solidFill>
+                  <a:schemeClr val="tx2"/>
+                </a:solidFill>
+                <a:latin typeface="Tahoma" panose="020B0604030504040204" pitchFamily="34" charset="0"/>
+                <a:ea typeface="Tahoma" panose="020B0604030504040204" pitchFamily="34" charset="0"/>
+                <a:cs typeface="Tahoma" panose="020B0604030504040204" pitchFamily="34" charset="0"/>
+              </a:rPr>
+              <a:t>Reino Unido: 9</a:t>
+            </a:r>
+          </a:p>
+          <a:p>
+            <a:r>
+              <a:rPr lang="es-CO" sz="1400" dirty="0" smtClean="0">
+                <a:solidFill>
+                  <a:schemeClr val="tx2"/>
+                </a:solidFill>
+                <a:latin typeface="Tahoma" panose="020B0604030504040204" pitchFamily="34" charset="0"/>
+                <a:ea typeface="Tahoma" panose="020B0604030504040204" pitchFamily="34" charset="0"/>
+                <a:cs typeface="Tahoma" panose="020B0604030504040204" pitchFamily="34" charset="0"/>
+              </a:rPr>
+              <a:t>Rusia: 5</a:t>
+            </a:r>
+            <a:endParaRPr lang="es-CO" sz="1400" dirty="0">
+              <a:solidFill>
+                <a:schemeClr val="tx2"/>
+              </a:solidFill>
+              <a:latin typeface="Tahoma" panose="020B0604030504040204" pitchFamily="34" charset="0"/>
+              <a:ea typeface="Tahoma" panose="020B0604030504040204" pitchFamily="34" charset="0"/>
+              <a:cs typeface="Tahoma" panose="020B0604030504040204" pitchFamily="34" charset="0"/>
+            </a:endParaRPr>
+          </a:p>
+        </p:txBody>
+      </p:sp>
+      <p:sp>
+        <p:nvSpPr>
+          <p:cNvPr id="19" name="Llamada rectangular 18"/>
+          <p:cNvSpPr/>
+          <p:nvPr/>
+        </p:nvSpPr>
+        <p:spPr>
+          <a:xfrm>
+            <a:off x="7458075" y="3834604"/>
+            <a:ext cx="1497592" cy="1473997"/>
+          </a:xfrm>
+          <a:prstGeom prst="wedgeRectCallout">
+            <a:avLst>
+              <a:gd name="adj1" fmla="val -61146"/>
+              <a:gd name="adj2" fmla="val -4909"/>
+            </a:avLst>
+          </a:prstGeom>
+        </p:spPr>
+        <p:style>
+          <a:lnRef idx="1">
+            <a:schemeClr val="accent1"/>
+          </a:lnRef>
+          <a:fillRef idx="2">
+            <a:schemeClr val="accent1"/>
+          </a:fillRef>
+          <a:effectRef idx="1">
+            <a:schemeClr val="accent1"/>
+          </a:effectRef>
+          <a:fontRef idx="minor">
+            <a:schemeClr val="dk1"/>
+          </a:fontRef>
+        </p:style>
+        <p:txBody>
+          <a:bodyPr rtlCol="0" anchor="ctr"/>
+          <a:lstStyle/>
+          <a:p>
+            <a:r>
+              <a:rPr lang="es-CO" sz="1400" dirty="0" smtClean="0">
+                <a:solidFill>
+                  <a:schemeClr val="tx2"/>
+                </a:solidFill>
+                <a:latin typeface="Tahoma" panose="020B0604030504040204" pitchFamily="34" charset="0"/>
+                <a:ea typeface="Tahoma" panose="020B0604030504040204" pitchFamily="34" charset="0"/>
+                <a:cs typeface="Tahoma" panose="020B0604030504040204" pitchFamily="34" charset="0"/>
+              </a:rPr>
+              <a:t>Inventores:</a:t>
+            </a:r>
+          </a:p>
+          <a:p>
+            <a:endParaRPr lang="es-CO" sz="1400" dirty="0">
+              <a:solidFill>
+                <a:schemeClr val="tx2"/>
+              </a:solidFill>
+              <a:latin typeface="Tahoma" panose="020B0604030504040204" pitchFamily="34" charset="0"/>
+              <a:ea typeface="Tahoma" panose="020B0604030504040204" pitchFamily="34" charset="0"/>
+              <a:cs typeface="Tahoma" panose="020B0604030504040204" pitchFamily="34" charset="0"/>
+            </a:endParaRPr>
+          </a:p>
+          <a:p>
+            <a:r>
+              <a:rPr lang="es-CO" sz="1300" dirty="0" smtClean="0">
+                <a:solidFill>
+                  <a:schemeClr val="tx2"/>
+                </a:solidFill>
+                <a:latin typeface="Tahoma" panose="020B0604030504040204" pitchFamily="34" charset="0"/>
+                <a:ea typeface="Tahoma" panose="020B0604030504040204" pitchFamily="34" charset="0"/>
+                <a:cs typeface="Tahoma" panose="020B0604030504040204" pitchFamily="34" charset="0"/>
+              </a:rPr>
+              <a:t>Al-abed Yousef: 5</a:t>
+            </a:r>
+            <a:endParaRPr lang="es-CO" sz="1300" dirty="0">
+              <a:solidFill>
+                <a:schemeClr val="tx2"/>
+              </a:solidFill>
+              <a:latin typeface="Tahoma" panose="020B0604030504040204" pitchFamily="34" charset="0"/>
+              <a:ea typeface="Tahoma" panose="020B0604030504040204" pitchFamily="34" charset="0"/>
+              <a:cs typeface="Tahoma" panose="020B0604030504040204" pitchFamily="34" charset="0"/>
+            </a:endParaRPr>
+          </a:p>
+          <a:p>
+            <a:r>
+              <a:rPr lang="es-CO" sz="1300" dirty="0">
+                <a:solidFill>
+                  <a:schemeClr val="tx2"/>
+                </a:solidFill>
+                <a:latin typeface="Tahoma" panose="020B0604030504040204" pitchFamily="34" charset="0"/>
+                <a:ea typeface="Tahoma" panose="020B0604030504040204" pitchFamily="34" charset="0"/>
+                <a:cs typeface="Tahoma" panose="020B0604030504040204" pitchFamily="34" charset="0"/>
+              </a:rPr>
+              <a:t>Franchi </a:t>
+            </a:r>
+            <a:r>
+              <a:rPr lang="es-CO" sz="1300" dirty="0" smtClean="0">
+                <a:solidFill>
+                  <a:schemeClr val="tx2"/>
+                </a:solidFill>
+                <a:latin typeface="Tahoma" panose="020B0604030504040204" pitchFamily="34" charset="0"/>
+                <a:ea typeface="Tahoma" panose="020B0604030504040204" pitchFamily="34" charset="0"/>
+                <a:cs typeface="Tahoma" panose="020B0604030504040204" pitchFamily="34" charset="0"/>
+              </a:rPr>
+              <a:t>Luigi: 5</a:t>
+            </a:r>
+            <a:endParaRPr lang="es-CO" sz="1300" dirty="0">
+              <a:solidFill>
+                <a:schemeClr val="tx2"/>
+              </a:solidFill>
+              <a:latin typeface="Tahoma" panose="020B0604030504040204" pitchFamily="34" charset="0"/>
+              <a:ea typeface="Tahoma" panose="020B0604030504040204" pitchFamily="34" charset="0"/>
+              <a:cs typeface="Tahoma" panose="020B0604030504040204" pitchFamily="34" charset="0"/>
+            </a:endParaRPr>
+          </a:p>
+          <a:p>
+            <a:r>
+              <a:rPr lang="es-CO" sz="1300" dirty="0">
+                <a:solidFill>
+                  <a:schemeClr val="tx2"/>
+                </a:solidFill>
+                <a:latin typeface="Tahoma" panose="020B0604030504040204" pitchFamily="34" charset="0"/>
+                <a:ea typeface="Tahoma" panose="020B0604030504040204" pitchFamily="34" charset="0"/>
+                <a:cs typeface="Tahoma" panose="020B0604030504040204" pitchFamily="34" charset="0"/>
+              </a:rPr>
+              <a:t>Glick Gary </a:t>
+            </a:r>
+            <a:r>
+              <a:rPr lang="es-CO" sz="1300" dirty="0" smtClean="0">
+                <a:solidFill>
+                  <a:schemeClr val="tx2"/>
+                </a:solidFill>
+                <a:latin typeface="Tahoma" panose="020B0604030504040204" pitchFamily="34" charset="0"/>
+                <a:ea typeface="Tahoma" panose="020B0604030504040204" pitchFamily="34" charset="0"/>
+                <a:cs typeface="Tahoma" panose="020B0604030504040204" pitchFamily="34" charset="0"/>
+              </a:rPr>
+              <a:t>D: 5</a:t>
+            </a:r>
+            <a:endParaRPr lang="es-CO" sz="1300" dirty="0">
+              <a:solidFill>
+                <a:schemeClr val="tx2"/>
+              </a:solidFill>
+              <a:latin typeface="Tahoma" panose="020B0604030504040204" pitchFamily="34" charset="0"/>
+              <a:ea typeface="Tahoma" panose="020B0604030504040204" pitchFamily="34" charset="0"/>
+              <a:cs typeface="Tahoma" panose="020B0604030504040204" pitchFamily="34" charset="0"/>
+            </a:endParaRPr>
+          </a:p>
+          <a:p>
+            <a:r>
+              <a:rPr lang="es-CO" sz="1300" dirty="0">
+                <a:solidFill>
+                  <a:schemeClr val="tx2"/>
+                </a:solidFill>
+                <a:latin typeface="Tahoma" panose="020B0604030504040204" pitchFamily="34" charset="0"/>
+                <a:ea typeface="Tahoma" panose="020B0604030504040204" pitchFamily="34" charset="0"/>
+                <a:cs typeface="Tahoma" panose="020B0604030504040204" pitchFamily="34" charset="0"/>
+              </a:rPr>
+              <a:t>Susbparov Ivan </a:t>
+            </a:r>
+            <a:r>
+              <a:rPr lang="es-CO" sz="1300" dirty="0" smtClean="0">
+                <a:solidFill>
+                  <a:schemeClr val="tx2"/>
+                </a:solidFill>
+                <a:latin typeface="Tahoma" panose="020B0604030504040204" pitchFamily="34" charset="0"/>
+                <a:ea typeface="Tahoma" panose="020B0604030504040204" pitchFamily="34" charset="0"/>
+                <a:cs typeface="Tahoma" panose="020B0604030504040204" pitchFamily="34" charset="0"/>
+              </a:rPr>
+              <a:t>Mikhajlovich: 4</a:t>
+            </a:r>
+            <a:endParaRPr lang="es-CO" sz="1300" dirty="0">
+              <a:solidFill>
+                <a:schemeClr val="tx2"/>
+              </a:solidFill>
+              <a:latin typeface="Tahoma" panose="020B0604030504040204" pitchFamily="34" charset="0"/>
+              <a:ea typeface="Tahoma" panose="020B0604030504040204" pitchFamily="34" charset="0"/>
+              <a:cs typeface="Tahoma" panose="020B0604030504040204" pitchFamily="34" charset="0"/>
+            </a:endParaRPr>
+          </a:p>
+        </p:txBody>
+      </p:sp>
+    </p:spTree>
+    <p:extLst>
+      <p:ext uri="{BB962C8B-B14F-4D97-AF65-F5344CB8AC3E}">
+        <p14:creationId xmlns:p14="http://schemas.microsoft.com/office/powerpoint/2010/main" val="635266594"/>
+      </p:ext>
+    </p:extLst>
+  </p:cSld>
+  <p:clrMapOvr>
+    <a:masterClrMapping/>
+  </p:clrMapOvr>
+</p:sld>
+</file>
+
+<file path=ppt/slides/slide6.xml><?xml version="1.0" encoding="utf-8"?>
+<p:sld xmlns:a="http://schemas.openxmlformats.org/drawingml/2006/main" xmlns:r="http://schemas.openxmlformats.org/officeDocument/2006/relationships" xmlns:p="http://schemas.openxmlformats.org/presentationml/2006/main">
+  <p:cSld>
+    <p:spTree>
+      <p:nvGrpSpPr>
+        <p:cNvPr id="1" name=""/>
+        <p:cNvGrpSpPr/>
+        <p:nvPr/>
+      </p:nvGrpSpPr>
+      <p:grpSpPr>
+        <a:xfrm>
+          <a:off x="0" y="0"/>
+          <a:ext cx="0" cy="0"/>
+          <a:chOff x="0" y="0"/>
+          <a:chExt cx="0" cy="0"/>
+        </a:xfrm>
+      </p:grpSpPr>
+      <p:pic>
+        <p:nvPicPr>
+          <p:cNvPr id="6" name="Imagen 5"/>
+          <p:cNvPicPr>
+            <a:picLocks noChangeAspect="1"/>
+          </p:cNvPicPr>
+          <p:nvPr/>
+        </p:nvPicPr>
+        <p:blipFill>
+          <a:blip r:embed="rId2"/>
+          <a:stretch>
+            <a:fillRect/>
+          </a:stretch>
+        </p:blipFill>
+        <p:spPr>
+          <a:xfrm>
+            <a:off x="5006975" y="1261268"/>
+            <a:ext cx="2663825" cy="2428875"/>
+          </a:xfrm>
+          <a:prstGeom prst="rect">
+            <a:avLst/>
+          </a:prstGeom>
+          <a:ln>
+            <a:solidFill>
+              <a:srgbClr val="00529C"/>
+            </a:solidFill>
+          </a:ln>
+        </p:spPr>
+      </p:pic>
+      <p:pic>
+        <p:nvPicPr>
+          <p:cNvPr id="4" name="Imagen 3"/>
+          <p:cNvPicPr>
+            <a:picLocks noChangeAspect="1"/>
+          </p:cNvPicPr>
+          <p:nvPr/>
+        </p:nvPicPr>
+        <p:blipFill>
+          <a:blip r:embed="rId3"/>
+          <a:stretch>
+            <a:fillRect/>
+          </a:stretch>
+        </p:blipFill>
+        <p:spPr>
+          <a:xfrm>
+            <a:off x="1562100" y="1261269"/>
+            <a:ext cx="2554866" cy="2428875"/>
+          </a:xfrm>
+          <a:prstGeom prst="rect">
+            <a:avLst/>
+          </a:prstGeom>
+          <a:ln>
+            <a:solidFill>
+              <a:srgbClr val="00529C"/>
+            </a:solidFill>
+          </a:ln>
+        </p:spPr>
+      </p:pic>
+      <p:sp>
+        <p:nvSpPr>
+          <p:cNvPr id="2" name="Título 1">
+            <a:extLst>
+              <a:ext uri="{FF2B5EF4-FFF2-40B4-BE49-F238E27FC236}">
+                <a16:creationId xmlns:a16="http://schemas.microsoft.com/office/drawing/2014/main" id="{8DEF41C4-62DB-4F86-A417-D5806C6AE283}"/>
+              </a:ext>
+            </a:extLst>
+          </p:cNvPr>
+          <p:cNvSpPr>
+            <a:spLocks noGrp="1"/>
+          </p:cNvSpPr>
+          <p:nvPr>
+            <p:ph type="title"/>
+          </p:nvPr>
+        </p:nvSpPr>
+        <p:spPr>
+          <a:xfrm>
+            <a:off x="457200" y="7938"/>
+            <a:ext cx="8229600" cy="1143000"/>
+          </a:xfrm>
+        </p:spPr>
+        <p:txBody>
+          <a:bodyPr>
+            <a:normAutofit fontScale="90000"/>
+          </a:bodyPr>
+          <a:lstStyle/>
+          <a:p>
+            <a:r>
+              <a:rPr lang="es-CO" dirty="0" smtClean="0"/>
+              <a:t>Resultado de búsqueda de patentes: Colección solo vacunas.</a:t>
+            </a:r>
+            <a:endParaRPr lang="es-CO" dirty="0"/>
+          </a:p>
+        </p:txBody>
+      </p:sp>
+      <p:sp>
+        <p:nvSpPr>
+          <p:cNvPr id="13" name="Llamada rectangular 12"/>
+          <p:cNvSpPr/>
+          <p:nvPr/>
+        </p:nvSpPr>
+        <p:spPr>
+          <a:xfrm>
+            <a:off x="228600" y="1261269"/>
+            <a:ext cx="1333500" cy="1596231"/>
+          </a:xfrm>
+          <a:prstGeom prst="wedgeRectCallout">
+            <a:avLst>
+              <a:gd name="adj1" fmla="val 63514"/>
+              <a:gd name="adj2" fmla="val -6504"/>
+            </a:avLst>
+          </a:prstGeom>
+        </p:spPr>
+        <p:style>
+          <a:lnRef idx="1">
+            <a:schemeClr val="accent1"/>
+          </a:lnRef>
+          <a:fillRef idx="2">
+            <a:schemeClr val="accent1"/>
+          </a:fillRef>
+          <a:effectRef idx="1">
+            <a:schemeClr val="accent1"/>
+          </a:effectRef>
+          <a:fontRef idx="minor">
+            <a:schemeClr val="dk1"/>
+          </a:fontRef>
+        </p:style>
+        <p:txBody>
+          <a:bodyPr rtlCol="0" anchor="ctr"/>
+          <a:lstStyle/>
+          <a:p>
+            <a:r>
+              <a:rPr lang="es-CO" sz="1400" dirty="0">
+                <a:solidFill>
+                  <a:schemeClr val="tx2"/>
+                </a:solidFill>
+                <a:latin typeface="Tahoma" panose="020B0604030504040204" pitchFamily="34" charset="0"/>
+                <a:ea typeface="Tahoma" panose="020B0604030504040204" pitchFamily="34" charset="0"/>
+                <a:cs typeface="Tahoma" panose="020B0604030504040204" pitchFamily="34" charset="0"/>
+              </a:rPr>
+              <a:t>Se </a:t>
+            </a:r>
+            <a:r>
+              <a:rPr lang="es-CO" sz="1400" dirty="0" smtClean="0">
+                <a:solidFill>
+                  <a:schemeClr val="tx2"/>
+                </a:solidFill>
+                <a:latin typeface="Tahoma" panose="020B0604030504040204" pitchFamily="34" charset="0"/>
+                <a:ea typeface="Tahoma" panose="020B0604030504040204" pitchFamily="34" charset="0"/>
+                <a:cs typeface="Tahoma" panose="020B0604030504040204" pitchFamily="34" charset="0"/>
+              </a:rPr>
+              <a:t>publicaron.</a:t>
+            </a:r>
+          </a:p>
+          <a:p>
+            <a:endParaRPr lang="es-CO" sz="1400" dirty="0">
+              <a:solidFill>
+                <a:schemeClr val="tx2"/>
+              </a:solidFill>
+              <a:latin typeface="Tahoma" panose="020B0604030504040204" pitchFamily="34" charset="0"/>
+              <a:ea typeface="Tahoma" panose="020B0604030504040204" pitchFamily="34" charset="0"/>
+              <a:cs typeface="Tahoma" panose="020B0604030504040204" pitchFamily="34" charset="0"/>
+            </a:endParaRPr>
+          </a:p>
+          <a:p>
+            <a:r>
+              <a:rPr lang="es-CO" sz="1400" dirty="0" smtClean="0">
+                <a:solidFill>
+                  <a:schemeClr val="tx2"/>
+                </a:solidFill>
+                <a:latin typeface="Tahoma" panose="020B0604030504040204" pitchFamily="34" charset="0"/>
+                <a:ea typeface="Tahoma" panose="020B0604030504040204" pitchFamily="34" charset="0"/>
+                <a:cs typeface="Tahoma" panose="020B0604030504040204" pitchFamily="34" charset="0"/>
+              </a:rPr>
+              <a:t>2021: 2</a:t>
+            </a:r>
+            <a:endParaRPr lang="es-CO" sz="1400" dirty="0">
+              <a:solidFill>
+                <a:schemeClr val="tx2"/>
+              </a:solidFill>
+              <a:latin typeface="Tahoma" panose="020B0604030504040204" pitchFamily="34" charset="0"/>
+              <a:ea typeface="Tahoma" panose="020B0604030504040204" pitchFamily="34" charset="0"/>
+              <a:cs typeface="Tahoma" panose="020B0604030504040204" pitchFamily="34" charset="0"/>
+            </a:endParaRPr>
+          </a:p>
+          <a:p>
+            <a:r>
+              <a:rPr lang="es-CO" sz="1400" dirty="0" smtClean="0">
+                <a:solidFill>
+                  <a:schemeClr val="tx2"/>
+                </a:solidFill>
+                <a:latin typeface="Tahoma" panose="020B0604030504040204" pitchFamily="34" charset="0"/>
+                <a:ea typeface="Tahoma" panose="020B0604030504040204" pitchFamily="34" charset="0"/>
+                <a:cs typeface="Tahoma" panose="020B0604030504040204" pitchFamily="34" charset="0"/>
+              </a:rPr>
+              <a:t>2020: 13</a:t>
+            </a:r>
+            <a:endParaRPr lang="es-CO" sz="1400" dirty="0">
+              <a:solidFill>
+                <a:schemeClr val="tx2"/>
+              </a:solidFill>
+              <a:latin typeface="Tahoma" panose="020B0604030504040204" pitchFamily="34" charset="0"/>
+              <a:ea typeface="Tahoma" panose="020B0604030504040204" pitchFamily="34" charset="0"/>
+              <a:cs typeface="Tahoma" panose="020B0604030504040204" pitchFamily="34" charset="0"/>
+            </a:endParaRPr>
+          </a:p>
+          <a:p>
+            <a:endParaRPr lang="es-CO" sz="1400" dirty="0">
+              <a:solidFill>
+                <a:schemeClr val="tx2"/>
+              </a:solidFill>
+              <a:latin typeface="Tahoma" panose="020B0604030504040204" pitchFamily="34" charset="0"/>
+              <a:ea typeface="Tahoma" panose="020B0604030504040204" pitchFamily="34" charset="0"/>
+              <a:cs typeface="Tahoma" panose="020B0604030504040204" pitchFamily="34" charset="0"/>
+            </a:endParaRPr>
+          </a:p>
+          <a:p>
+            <a:r>
+              <a:rPr lang="es-CO" sz="1400" dirty="0">
+                <a:solidFill>
+                  <a:schemeClr val="tx2"/>
+                </a:solidFill>
+                <a:latin typeface="Tahoma" panose="020B0604030504040204" pitchFamily="34" charset="0"/>
+                <a:ea typeface="Tahoma" panose="020B0604030504040204" pitchFamily="34" charset="0"/>
+                <a:cs typeface="Tahoma" panose="020B0604030504040204" pitchFamily="34" charset="0"/>
+              </a:rPr>
+              <a:t>Total: </a:t>
+            </a:r>
+            <a:r>
+              <a:rPr lang="es-CO" sz="1400" dirty="0" smtClean="0">
+                <a:solidFill>
+                  <a:schemeClr val="tx2"/>
+                </a:solidFill>
+                <a:latin typeface="Tahoma" panose="020B0604030504040204" pitchFamily="34" charset="0"/>
+                <a:ea typeface="Tahoma" panose="020B0604030504040204" pitchFamily="34" charset="0"/>
+                <a:cs typeface="Tahoma" panose="020B0604030504040204" pitchFamily="34" charset="0"/>
+              </a:rPr>
+              <a:t>15</a:t>
+            </a:r>
+            <a:endParaRPr lang="es-ES" dirty="0"/>
+          </a:p>
+        </p:txBody>
+      </p:sp>
+      <p:sp>
+        <p:nvSpPr>
+          <p:cNvPr id="14" name="Llamada rectangular 13"/>
+          <p:cNvSpPr/>
+          <p:nvPr/>
+        </p:nvSpPr>
+        <p:spPr>
+          <a:xfrm>
+            <a:off x="7561841" y="1322386"/>
+            <a:ext cx="1497592" cy="1473996"/>
+          </a:xfrm>
+          <a:prstGeom prst="wedgeRectCallout">
+            <a:avLst>
+              <a:gd name="adj1" fmla="val -73018"/>
+              <a:gd name="adj2" fmla="val -10812"/>
+            </a:avLst>
+          </a:prstGeom>
+        </p:spPr>
+        <p:style>
+          <a:lnRef idx="1">
+            <a:schemeClr val="accent1"/>
+          </a:lnRef>
+          <a:fillRef idx="2">
+            <a:schemeClr val="accent1"/>
+          </a:fillRef>
+          <a:effectRef idx="1">
+            <a:schemeClr val="accent1"/>
+          </a:effectRef>
+          <a:fontRef idx="minor">
+            <a:schemeClr val="dk1"/>
+          </a:fontRef>
+        </p:style>
+        <p:txBody>
+          <a:bodyPr rtlCol="0" anchor="ctr"/>
+          <a:lstStyle/>
+          <a:p>
+            <a:r>
+              <a:rPr lang="es-CO" sz="1400" dirty="0" smtClean="0">
+                <a:solidFill>
+                  <a:schemeClr val="tx2"/>
+                </a:solidFill>
+                <a:latin typeface="Tahoma" panose="020B0604030504040204" pitchFamily="34" charset="0"/>
+                <a:ea typeface="Tahoma" panose="020B0604030504040204" pitchFamily="34" charset="0"/>
+                <a:cs typeface="Tahoma" panose="020B0604030504040204" pitchFamily="34" charset="0"/>
+              </a:rPr>
+              <a:t>Tipo de documento:</a:t>
+            </a:r>
+            <a:endParaRPr lang="es-CO" sz="1400" dirty="0">
+              <a:solidFill>
+                <a:schemeClr val="tx2"/>
+              </a:solidFill>
+              <a:latin typeface="Tahoma" panose="020B0604030504040204" pitchFamily="34" charset="0"/>
+              <a:ea typeface="Tahoma" panose="020B0604030504040204" pitchFamily="34" charset="0"/>
+              <a:cs typeface="Tahoma" panose="020B0604030504040204" pitchFamily="34" charset="0"/>
+            </a:endParaRPr>
+          </a:p>
+          <a:p>
+            <a:endParaRPr lang="es-CO" sz="1400" dirty="0">
+              <a:solidFill>
+                <a:schemeClr val="tx2"/>
+              </a:solidFill>
+              <a:latin typeface="Tahoma" panose="020B0604030504040204" pitchFamily="34" charset="0"/>
+              <a:ea typeface="Tahoma" panose="020B0604030504040204" pitchFamily="34" charset="0"/>
+              <a:cs typeface="Tahoma" panose="020B0604030504040204" pitchFamily="34" charset="0"/>
+            </a:endParaRPr>
+          </a:p>
+          <a:p>
+            <a:r>
+              <a:rPr lang="es-CO" sz="1400" dirty="0" smtClean="0">
+                <a:solidFill>
+                  <a:schemeClr val="tx2"/>
+                </a:solidFill>
+                <a:latin typeface="Tahoma" panose="020B0604030504040204" pitchFamily="34" charset="0"/>
+                <a:ea typeface="Tahoma" panose="020B0604030504040204" pitchFamily="34" charset="0"/>
+                <a:cs typeface="Tahoma" panose="020B0604030504040204" pitchFamily="34" charset="0"/>
+              </a:rPr>
+              <a:t>P. Aplicadas:14</a:t>
+            </a:r>
+            <a:endParaRPr lang="es-CO" sz="1400" dirty="0">
+              <a:solidFill>
+                <a:schemeClr val="tx2"/>
+              </a:solidFill>
+              <a:latin typeface="Tahoma" panose="020B0604030504040204" pitchFamily="34" charset="0"/>
+              <a:ea typeface="Tahoma" panose="020B0604030504040204" pitchFamily="34" charset="0"/>
+              <a:cs typeface="Tahoma" panose="020B0604030504040204" pitchFamily="34" charset="0"/>
+            </a:endParaRPr>
+          </a:p>
+          <a:p>
+            <a:r>
+              <a:rPr lang="es-CO" sz="1400" dirty="0" smtClean="0">
+                <a:solidFill>
+                  <a:schemeClr val="tx2"/>
+                </a:solidFill>
+                <a:latin typeface="Tahoma" panose="020B0604030504040204" pitchFamily="34" charset="0"/>
+                <a:ea typeface="Tahoma" panose="020B0604030504040204" pitchFamily="34" charset="0"/>
+                <a:cs typeface="Tahoma" panose="020B0604030504040204" pitchFamily="34" charset="0"/>
+              </a:rPr>
+              <a:t>P. Otorgada:1</a:t>
+            </a:r>
+            <a:endParaRPr lang="es-CO" sz="1400" dirty="0">
+              <a:solidFill>
+                <a:schemeClr val="tx2"/>
+              </a:solidFill>
+              <a:latin typeface="Tahoma" panose="020B0604030504040204" pitchFamily="34" charset="0"/>
+              <a:ea typeface="Tahoma" panose="020B0604030504040204" pitchFamily="34" charset="0"/>
+              <a:cs typeface="Tahoma" panose="020B0604030504040204" pitchFamily="34" charset="0"/>
+            </a:endParaRPr>
+          </a:p>
+        </p:txBody>
+      </p:sp>
+      <p:pic>
+        <p:nvPicPr>
+          <p:cNvPr id="8" name="Imagen 7"/>
+          <p:cNvPicPr>
+            <a:picLocks noChangeAspect="1"/>
+          </p:cNvPicPr>
+          <p:nvPr/>
+        </p:nvPicPr>
+        <p:blipFill>
+          <a:blip r:embed="rId4"/>
+          <a:stretch>
+            <a:fillRect/>
+          </a:stretch>
+        </p:blipFill>
+        <p:spPr>
+          <a:xfrm>
+            <a:off x="717550" y="3800473"/>
+            <a:ext cx="6496050" cy="2628315"/>
+          </a:xfrm>
+          <a:prstGeom prst="rect">
+            <a:avLst/>
+          </a:prstGeom>
+          <a:ln>
+            <a:solidFill>
+              <a:srgbClr val="00529C"/>
+            </a:solidFill>
+          </a:ln>
+        </p:spPr>
+      </p:pic>
+      <p:sp>
+        <p:nvSpPr>
+          <p:cNvPr id="16" name="Llamada rectangular 15"/>
+          <p:cNvSpPr/>
+          <p:nvPr/>
+        </p:nvSpPr>
+        <p:spPr>
+          <a:xfrm>
+            <a:off x="7281937" y="4001291"/>
+            <a:ext cx="1497592" cy="1485110"/>
+          </a:xfrm>
+          <a:prstGeom prst="wedgeRectCallout">
+            <a:avLst>
+              <a:gd name="adj1" fmla="val -73018"/>
+              <a:gd name="adj2" fmla="val -10812"/>
+            </a:avLst>
+          </a:prstGeom>
+        </p:spPr>
+        <p:style>
+          <a:lnRef idx="1">
+            <a:schemeClr val="accent1"/>
+          </a:lnRef>
+          <a:fillRef idx="2">
+            <a:schemeClr val="accent1"/>
+          </a:fillRef>
+          <a:effectRef idx="1">
+            <a:schemeClr val="accent1"/>
+          </a:effectRef>
+          <a:fontRef idx="minor">
+            <a:schemeClr val="dk1"/>
+          </a:fontRef>
+        </p:style>
+        <p:txBody>
+          <a:bodyPr rtlCol="0" anchor="ctr"/>
+          <a:lstStyle/>
+          <a:p>
+            <a:r>
+              <a:rPr lang="es-CO" sz="1400" dirty="0" smtClean="0">
+                <a:solidFill>
+                  <a:schemeClr val="tx2"/>
+                </a:solidFill>
+                <a:latin typeface="Tahoma" panose="020B0604030504040204" pitchFamily="34" charset="0"/>
+                <a:ea typeface="Tahoma" panose="020B0604030504040204" pitchFamily="34" charset="0"/>
+                <a:cs typeface="Tahoma" panose="020B0604030504040204" pitchFamily="34" charset="0"/>
+              </a:rPr>
+              <a:t>Dispersión:</a:t>
+            </a:r>
+          </a:p>
+          <a:p>
+            <a:endParaRPr lang="es-CO" sz="1400" dirty="0">
+              <a:solidFill>
+                <a:schemeClr val="tx2"/>
+              </a:solidFill>
+              <a:latin typeface="Tahoma" panose="020B0604030504040204" pitchFamily="34" charset="0"/>
+              <a:ea typeface="Tahoma" panose="020B0604030504040204" pitchFamily="34" charset="0"/>
+              <a:cs typeface="Tahoma" panose="020B0604030504040204" pitchFamily="34" charset="0"/>
+            </a:endParaRPr>
+          </a:p>
+          <a:p>
+            <a:r>
+              <a:rPr lang="es-CO" sz="1400" dirty="0" smtClean="0">
+                <a:solidFill>
+                  <a:schemeClr val="tx2"/>
+                </a:solidFill>
+                <a:latin typeface="Tahoma" panose="020B0604030504040204" pitchFamily="34" charset="0"/>
+                <a:ea typeface="Tahoma" panose="020B0604030504040204" pitchFamily="34" charset="0"/>
+                <a:cs typeface="Tahoma" panose="020B0604030504040204" pitchFamily="34" charset="0"/>
+              </a:rPr>
+              <a:t>El mes de mayor aplicación: Julio.</a:t>
+            </a:r>
+          </a:p>
+          <a:p>
+            <a:endParaRPr lang="es-CO" sz="1400" dirty="0">
+              <a:solidFill>
+                <a:schemeClr val="tx2"/>
+              </a:solidFill>
+              <a:latin typeface="Tahoma" panose="020B0604030504040204" pitchFamily="34" charset="0"/>
+              <a:ea typeface="Tahoma" panose="020B0604030504040204" pitchFamily="34" charset="0"/>
+              <a:cs typeface="Tahoma" panose="020B0604030504040204" pitchFamily="34" charset="0"/>
+            </a:endParaRPr>
+          </a:p>
+          <a:p>
+            <a:r>
+              <a:rPr lang="es-CO" sz="1400" dirty="0" smtClean="0">
+                <a:solidFill>
+                  <a:schemeClr val="tx2"/>
+                </a:solidFill>
+                <a:latin typeface="Tahoma" panose="020B0604030504040204" pitchFamily="34" charset="0"/>
+                <a:ea typeface="Tahoma" panose="020B0604030504040204" pitchFamily="34" charset="0"/>
+                <a:cs typeface="Tahoma" panose="020B0604030504040204" pitchFamily="34" charset="0"/>
+              </a:rPr>
+              <a:t>Año: 2020</a:t>
+            </a:r>
+            <a:endParaRPr lang="es-CO" sz="1400" dirty="0">
+              <a:solidFill>
+                <a:schemeClr val="tx2"/>
+              </a:solidFill>
+              <a:latin typeface="Tahoma" panose="020B0604030504040204" pitchFamily="34" charset="0"/>
+              <a:ea typeface="Tahoma" panose="020B0604030504040204" pitchFamily="34" charset="0"/>
+              <a:cs typeface="Tahoma" panose="020B0604030504040204" pitchFamily="34" charset="0"/>
+            </a:endParaRPr>
+          </a:p>
+        </p:txBody>
+      </p:sp>
+    </p:spTree>
+    <p:extLst>
+      <p:ext uri="{BB962C8B-B14F-4D97-AF65-F5344CB8AC3E}">
+        <p14:creationId xmlns:p14="http://schemas.microsoft.com/office/powerpoint/2010/main" val="2351966601"/>
+      </p:ext>
+    </p:extLst>
+  </p:cSld>
+  <p:clrMapOvr>
+    <a:masterClrMapping/>
+  </p:clrMapOvr>
+</p:sld>
+</file>
+
+<file path=ppt/slides/slide7.xml><?xml version="1.0" encoding="utf-8"?>
 <p:sld xmlns:a="http://schemas.openxmlformats.org/drawingml/2006/main" xmlns:r="http://schemas.openxmlformats.org/officeDocument/2006/relationships" xmlns:p="http://schemas.openxmlformats.org/presentationml/2006/main">
   <p:cSld>
     <p:spTree>
@@ -4908,7 +6425,7 @@
 </p:sld>
 </file>
 
-<file path=ppt/slides/slide6.xml><?xml version="1.0" encoding="utf-8"?>
+<file path=ppt/slides/slide8.xml><?xml version="1.0" encoding="utf-8"?>
 <p:sld xmlns:a="http://schemas.openxmlformats.org/drawingml/2006/main" xmlns:r="http://schemas.openxmlformats.org/officeDocument/2006/relationships" xmlns:p="http://schemas.openxmlformats.org/presentationml/2006/main">
   <p:cSld>
     <p:spTree>
@@ -5030,7 +6547,7 @@
 </p:sld>
 </file>
 
-<file path=ppt/slides/slide7.xml><?xml version="1.0" encoding="utf-8"?>
+<file path=ppt/slides/slide9.xml><?xml version="1.0" encoding="utf-8"?>
 <p:sld xmlns:a="http://schemas.openxmlformats.org/drawingml/2006/main" xmlns:r="http://schemas.openxmlformats.org/officeDocument/2006/relationships" xmlns:p="http://schemas.openxmlformats.org/presentationml/2006/main">
   <p:cSld>
     <p:spTree>
@@ -5143,187 +6660,6 @@
     <p:extLst>
       <p:ext uri="{BB962C8B-B14F-4D97-AF65-F5344CB8AC3E}">
         <p14:creationId xmlns:p14="http://schemas.microsoft.com/office/powerpoint/2010/main" val="471334636"/>
-      </p:ext>
-    </p:extLst>
-  </p:cSld>
-  <p:clrMapOvr>
-    <a:masterClrMapping/>
-  </p:clrMapOvr>
-</p:sld>
-</file>
-
-<file path=ppt/slides/slide8.xml><?xml version="1.0" encoding="utf-8"?>
-<p:sld xmlns:a="http://schemas.openxmlformats.org/drawingml/2006/main" xmlns:r="http://schemas.openxmlformats.org/officeDocument/2006/relationships" xmlns:p="http://schemas.openxmlformats.org/presentationml/2006/main">
-  <p:cSld>
-    <p:spTree>
-      <p:nvGrpSpPr>
-        <p:cNvPr id="1" name=""/>
-        <p:cNvGrpSpPr/>
-        <p:nvPr/>
-      </p:nvGrpSpPr>
-      <p:grpSpPr>
-        <a:xfrm>
-          <a:off x="0" y="0"/>
-          <a:ext cx="0" cy="0"/>
-          <a:chOff x="0" y="0"/>
-          <a:chExt cx="0" cy="0"/>
-        </a:xfrm>
-      </p:grpSpPr>
-      <p:sp>
-        <p:nvSpPr>
-          <p:cNvPr id="5" name="Título 4">
-            <a:extLst>
-              <a:ext uri="{FF2B5EF4-FFF2-40B4-BE49-F238E27FC236}">
-                <a16:creationId xmlns:a16="http://schemas.microsoft.com/office/drawing/2014/main" id="{BF4122AC-88CF-48CF-AFFE-EAF0F16A0E58}"/>
-              </a:ext>
-            </a:extLst>
-          </p:cNvPr>
-          <p:cNvSpPr>
-            <a:spLocks noGrp="1"/>
-          </p:cNvSpPr>
-          <p:nvPr>
-            <p:ph type="title"/>
-          </p:nvPr>
-        </p:nvSpPr>
-        <p:spPr/>
-        <p:txBody>
-          <a:bodyPr>
-            <a:normAutofit/>
-          </a:bodyPr>
-          <a:lstStyle/>
-          <a:p>
-            <a:pPr algn="ctr"/>
-            <a:r>
-              <a:rPr lang="es-CO" sz="3200" dirty="0"/>
-              <a:t>PUESTO</a:t>
-            </a:r>
-          </a:p>
-        </p:txBody>
-      </p:sp>
-      <p:sp>
-        <p:nvSpPr>
-          <p:cNvPr id="7" name="Marcador de texto 6">
-            <a:extLst>
-              <a:ext uri="{FF2B5EF4-FFF2-40B4-BE49-F238E27FC236}">
-                <a16:creationId xmlns:a16="http://schemas.microsoft.com/office/drawing/2014/main" id="{84048E2F-B197-401B-BA85-64C240EABE03}"/>
-              </a:ext>
-            </a:extLst>
-          </p:cNvPr>
-          <p:cNvSpPr>
-            <a:spLocks noGrp="1"/>
-          </p:cNvSpPr>
-          <p:nvPr>
-            <p:ph type="body" sz="half" idx="2"/>
-          </p:nvPr>
-        </p:nvSpPr>
-        <p:spPr/>
-        <p:txBody>
-          <a:bodyPr>
-            <a:normAutofit/>
-          </a:bodyPr>
-          <a:lstStyle/>
-          <a:p>
-            <a:pPr algn="ctr"/>
-            <a:r>
-              <a:rPr lang="es-CO" sz="23900" dirty="0"/>
-              <a:t>1</a:t>
-            </a:r>
-          </a:p>
-        </p:txBody>
-      </p:sp>
-      <p:pic>
-        <p:nvPicPr>
-          <p:cNvPr id="4" name="Imagen 3">
-            <a:extLst>
-              <a:ext uri="{FF2B5EF4-FFF2-40B4-BE49-F238E27FC236}">
-                <a16:creationId xmlns:a16="http://schemas.microsoft.com/office/drawing/2014/main" id="{772166EB-C075-4F10-9428-772B22041267}"/>
-              </a:ext>
-            </a:extLst>
-          </p:cNvPr>
-          <p:cNvPicPr>
-            <a:picLocks noChangeAspect="1"/>
-          </p:cNvPicPr>
-          <p:nvPr/>
-        </p:nvPicPr>
-        <p:blipFill>
-          <a:blip r:embed="rId2"/>
-          <a:stretch>
-            <a:fillRect/>
-          </a:stretch>
-        </p:blipFill>
-        <p:spPr>
-          <a:xfrm>
-            <a:off x="3678348" y="1882066"/>
-            <a:ext cx="5465652" cy="2619814"/>
-          </a:xfrm>
-          <a:prstGeom prst="rect">
-            <a:avLst/>
-          </a:prstGeom>
-        </p:spPr>
-      </p:pic>
-    </p:spTree>
-    <p:extLst>
-      <p:ext uri="{BB962C8B-B14F-4D97-AF65-F5344CB8AC3E}">
-        <p14:creationId xmlns:p14="http://schemas.microsoft.com/office/powerpoint/2010/main" val="2171040910"/>
-      </p:ext>
-    </p:extLst>
-  </p:cSld>
-  <p:clrMapOvr>
-    <a:masterClrMapping/>
-  </p:clrMapOvr>
-</p:sld>
-</file>
-
-<file path=ppt/slides/slide9.xml><?xml version="1.0" encoding="utf-8"?>
-<p:sld xmlns:a="http://schemas.openxmlformats.org/drawingml/2006/main" xmlns:r="http://schemas.openxmlformats.org/officeDocument/2006/relationships" xmlns:p="http://schemas.openxmlformats.org/presentationml/2006/main">
-  <p:cSld>
-    <p:spTree>
-      <p:nvGrpSpPr>
-        <p:cNvPr id="1" name=""/>
-        <p:cNvGrpSpPr/>
-        <p:nvPr/>
-      </p:nvGrpSpPr>
-      <p:grpSpPr>
-        <a:xfrm>
-          <a:off x="0" y="0"/>
-          <a:ext cx="0" cy="0"/>
-          <a:chOff x="0" y="0"/>
-          <a:chExt cx="0" cy="0"/>
-        </a:xfrm>
-      </p:grpSpPr>
-      <p:sp>
-        <p:nvSpPr>
-          <p:cNvPr id="2" name="Título 1">
-            <a:extLst>
-              <a:ext uri="{FF2B5EF4-FFF2-40B4-BE49-F238E27FC236}">
-                <a16:creationId xmlns:a16="http://schemas.microsoft.com/office/drawing/2014/main" id="{13EA576F-7C10-444D-AFB8-756B90C110A1}"/>
-              </a:ext>
-            </a:extLst>
-          </p:cNvPr>
-          <p:cNvSpPr>
-            <a:spLocks noGrp="1"/>
-          </p:cNvSpPr>
-          <p:nvPr>
-            <p:ph type="ctrTitle"/>
-          </p:nvPr>
-        </p:nvSpPr>
-        <p:spPr/>
-        <p:txBody>
-          <a:bodyPr/>
-          <a:lstStyle/>
-          <a:p>
-            <a:pPr algn="ctr"/>
-            <a:r>
-              <a:rPr lang="es-CO" dirty="0"/>
-              <a:t>MUCHAS GRACIAS </a:t>
-            </a:r>
-          </a:p>
-        </p:txBody>
-      </p:sp>
-    </p:spTree>
-    <p:extLst>
-      <p:ext uri="{BB962C8B-B14F-4D97-AF65-F5344CB8AC3E}">
-        <p14:creationId xmlns:p14="http://schemas.microsoft.com/office/powerpoint/2010/main" val="3879833664"/>
       </p:ext>
     </p:extLst>
   </p:cSld>
@@ -5980,15 +7316,6 @@
 </file>
 
 <file path=customXml/item2.xml><?xml version="1.0" encoding="utf-8"?>
-<?mso-contentType ?>
-<FormTemplates xmlns="http://schemas.microsoft.com/sharepoint/v3/contenttype/forms">
-  <Display>DocumentLibraryForm</Display>
-  <Edit>DocumentLibraryForm</Edit>
-  <New>DocumentLibraryForm</New>
-</FormTemplates>
-</file>
-
-<file path=customXml/item3.xml><?xml version="1.0" encoding="utf-8"?>
 <ct:contentTypeSchema xmlns:ct="http://schemas.microsoft.com/office/2006/metadata/contentType" xmlns:ma="http://schemas.microsoft.com/office/2006/metadata/properties/metaAttributes" ct:_="" ma:_="" ma:contentTypeName="Documento" ma:contentTypeID="0x0101003368A09EF4795B4D8D42C88900235298" ma:contentTypeVersion="0" ma:contentTypeDescription="Crear nuevo documento." ma:contentTypeScope="" ma:versionID="9884ae04ee6740a09aac08c2ec6aecf2">
   <xsd:schema xmlns:xsd="http://www.w3.org/2001/XMLSchema" xmlns:xs="http://www.w3.org/2001/XMLSchema" xmlns:p="http://schemas.microsoft.com/office/2006/metadata/properties" targetNamespace="http://schemas.microsoft.com/office/2006/metadata/properties" ma:root="true" ma:fieldsID="986dcc55fc7de7b749655be5365d3efe">
     <xsd:element name="properties">
@@ -6102,6 +7429,15 @@
 </ct:contentTypeSchema>
 </file>
 
+<file path=customXml/item3.xml><?xml version="1.0" encoding="utf-8"?>
+<?mso-contentType ?>
+<FormTemplates xmlns="http://schemas.microsoft.com/sharepoint/v3/contenttype/forms">
+  <Display>DocumentLibraryForm</Display>
+  <Edit>DocumentLibraryForm</Edit>
+  <New>DocumentLibraryForm</New>
+</FormTemplates>
+</file>
+
 <file path=customXml/itemProps1.xml><?xml version="1.0" encoding="utf-8"?>
 <ds:datastoreItem xmlns:ds="http://schemas.openxmlformats.org/officeDocument/2006/customXml" ds:itemID="{46BD7D53-8870-4901-9C75-3567A7CBAE5E}">
   <ds:schemaRefs>
@@ -6112,14 +7448,6 @@
 </file>
 
 <file path=customXml/itemProps2.xml><?xml version="1.0" encoding="utf-8"?>
-<ds:datastoreItem xmlns:ds="http://schemas.openxmlformats.org/officeDocument/2006/customXml" ds:itemID="{B04D8436-9529-41CE-BBCE-4D604027359A}">
-  <ds:schemaRefs>
-    <ds:schemaRef ds:uri="http://schemas.microsoft.com/sharepoint/v3/contenttype/forms"/>
-  </ds:schemaRefs>
-</ds:datastoreItem>
-</file>
-
-<file path=customXml/itemProps3.xml><?xml version="1.0" encoding="utf-8"?>
 <ds:datastoreItem xmlns:ds="http://schemas.openxmlformats.org/officeDocument/2006/customXml" ds:itemID="{31763BEB-9615-4A27-A42C-260763FAF135}">
   <ds:schemaRefs>
     <ds:schemaRef ds:uri="http://schemas.microsoft.com/office/2006/metadata/contentType"/>
@@ -6133,4 +7461,12 @@
     <ds:schemaRef ds:uri="http://schemas.microsoft.com/office/infopath/2007/PartnerControls"/>
   </ds:schemaRefs>
 </ds:datastoreItem>
+</file>
+
+<file path=customXml/itemProps3.xml><?xml version="1.0" encoding="utf-8"?>
+<ds:datastoreItem xmlns:ds="http://schemas.openxmlformats.org/officeDocument/2006/customXml" ds:itemID="{B04D8436-9529-41CE-BBCE-4D604027359A}">
+  <ds:schemaRefs>
+    <ds:schemaRef ds:uri="http://schemas.microsoft.com/sharepoint/v3/contenttype/forms"/>
+  </ds:schemaRefs>
+</ds:datastoreItem>
 </file>